--- a/4-Python-for-Data-Visualization/0-Exploratory Data Analysis/0-EDA.pptx
+++ b/4-Python-for-Data-Visualization/0-Exploratory Data Analysis/0-EDA.pptx
@@ -310,6 +310,35 @@
     </p:ext>
   </p:extLst>
 </p:presentation>
+</file>
+
+<file path=ppt/changesInfos/changesInfo1.xml><?xml version="1.0" encoding="utf-8"?>
+<pc:chgInfo xmlns:a="http://schemas.openxmlformats.org/drawingml/2006/main" xmlns:r="http://schemas.openxmlformats.org/officeDocument/2006/relationships" xmlns:ac="http://schemas.microsoft.com/office/drawing/2013/main/command" xmlns:pc="http://schemas.microsoft.com/office/powerpoint/2013/main/command">
+  <pc:docChgLst>
+    <pc:chgData name="Ismail BERRADA" userId="73da661f-8bb3-4988-b405-b85d952bf1cf" providerId="ADAL" clId="{32319FE7-4503-48CC-862A-BCF565C82BC8}"/>
+    <pc:docChg chg="modSld">
+      <pc:chgData name="Ismail BERRADA" userId="73da661f-8bb3-4988-b405-b85d952bf1cf" providerId="ADAL" clId="{32319FE7-4503-48CC-862A-BCF565C82BC8}" dt="2022-01-23T10:37:14.674" v="1" actId="20577"/>
+      <pc:docMkLst>
+        <pc:docMk/>
+      </pc:docMkLst>
+      <pc:sldChg chg="modSp mod">
+        <pc:chgData name="Ismail BERRADA" userId="73da661f-8bb3-4988-b405-b85d952bf1cf" providerId="ADAL" clId="{32319FE7-4503-48CC-862A-BCF565C82BC8}" dt="2022-01-23T10:37:14.674" v="1" actId="20577"/>
+        <pc:sldMkLst>
+          <pc:docMk/>
+          <pc:sldMk cId="1065660230" sldId="336"/>
+        </pc:sldMkLst>
+        <pc:spChg chg="mod">
+          <ac:chgData name="Ismail BERRADA" userId="73da661f-8bb3-4988-b405-b85d952bf1cf" providerId="ADAL" clId="{32319FE7-4503-48CC-862A-BCF565C82BC8}" dt="2022-01-23T10:37:14.674" v="1" actId="20577"/>
+          <ac:spMkLst>
+            <pc:docMk/>
+            <pc:sldMk cId="1065660230" sldId="336"/>
+            <ac:spMk id="3" creationId="{00000000-0000-0000-0000-000000000000}"/>
+          </ac:spMkLst>
+        </pc:spChg>
+      </pc:sldChg>
+    </pc:docChg>
+  </pc:docChgLst>
+</pc:chgInfo>
 </file>
 
 <file path=ppt/notesMasters/notesMaster1.xml><?xml version="1.0" encoding="utf-8"?>
@@ -14862,7 +14891,7 @@
             </a:r>
             <a:r>
               <a:rPr lang="en-US" dirty="0"/>
-              <a:t>records the counts of totals and category names</a:t>
+              <a:t>record the counts of totals and category names</a:t>
             </a:r>
           </a:p>
           <a:p>
@@ -14872,7 +14901,7 @@
             </a:r>
             <a:r>
               <a:rPr lang="en-US" dirty="0"/>
-              <a:t>displays the percentages, the counts, of the variables in each category</a:t>
+              <a:t>display the percentages, the counts, of the variables in each category</a:t>
             </a:r>
           </a:p>
           <a:p>
